--- a/Assignments/Senior Design II/Assignment_4_Expo_Poster/SD_Poster.pptx
+++ b/Assignments/Senior Design II/Assignment_4_Expo_Poster/SD_Poster.pptx
@@ -5897,10 +5897,10 @@
       </p:pic>
       <p:pic>
         <p:nvPicPr>
-          <p:cNvPr id="18" name="Picture 2">
+          <p:cNvPr id="1028" name="Picture 4">
             <a:extLst>
               <a:ext uri="{FF2B5EF4-FFF2-40B4-BE49-F238E27FC236}">
-                <a16:creationId xmlns:a16="http://schemas.microsoft.com/office/drawing/2014/main" id="{DB0B7507-8CAB-D5B5-8EAD-7D301AEB1D8D}"/>
+                <a16:creationId xmlns:a16="http://schemas.microsoft.com/office/drawing/2014/main" id="{9BC19DD7-13F4-7099-0F16-AF5CE66B6070}"/>
               </a:ext>
             </a:extLst>
           </p:cNvPr>
@@ -5918,12 +5918,14 @@
             </a:extLst>
           </a:blip>
           <a:srcRect/>
-          <a:stretch/>
+          <a:stretch>
+            <a:fillRect/>
+          </a:stretch>
         </p:blipFill>
         <p:spPr bwMode="auto">
           <a:xfrm>
-            <a:off x="11374751" y="7571911"/>
-            <a:ext cx="25309508" cy="15545828"/>
+            <a:off x="11550740" y="7539993"/>
+            <a:ext cx="24866513" cy="15583524"/>
           </a:xfrm>
           <a:prstGeom prst="rect">
             <a:avLst/>
